--- a/중간발표.pptx
+++ b/중간발표.pptx
@@ -6401,6 +6401,28 @@
                 </a:rPr>
                 <a:t>중간발표</a:t>
               </a:r>
+              <a:endParaRPr lang="en-US" altLang="ko-KR" sz="1800" dirty="0">
+                <a:solidFill>
+                  <a:schemeClr val="tx1">
+                    <a:lumMod val="75000"/>
+                    <a:lumOff val="25000"/>
+                  </a:schemeClr>
+                </a:solidFill>
+              </a:endParaRPr>
+            </a:p>
+            <a:p>
+              <a:pPr algn="ctr" latinLnBrk="0"/>
+              <a:r>
+                <a:rPr lang="ko-KR" altLang="en-US" sz="1800" dirty="0">
+                  <a:solidFill>
+                    <a:schemeClr val="tx1">
+                      <a:lumMod val="75000"/>
+                      <a:lumOff val="25000"/>
+                    </a:schemeClr>
+                  </a:solidFill>
+                </a:rPr>
+                <a:t>정렬구현</a:t>
+              </a:r>
             </a:p>
           </p:txBody>
         </p:sp>
@@ -6471,6 +6493,28 @@
                   </a:solidFill>
                 </a:rPr>
                 <a:t>보관기관 지도 구현</a:t>
+              </a:r>
+              <a:endParaRPr lang="en-US" altLang="ko-KR" sz="1800" dirty="0">
+                <a:solidFill>
+                  <a:schemeClr val="tx1">
+                    <a:lumMod val="75000"/>
+                    <a:lumOff val="25000"/>
+                  </a:schemeClr>
+                </a:solidFill>
+              </a:endParaRPr>
+            </a:p>
+            <a:p>
+              <a:pPr algn="ctr" latinLnBrk="0"/>
+              <a:r>
+                <a:rPr lang="ko-KR" altLang="en-US" sz="1800" dirty="0">
+                  <a:solidFill>
+                    <a:schemeClr val="tx1">
+                      <a:lumMod val="75000"/>
+                      <a:lumOff val="25000"/>
+                    </a:schemeClr>
+                  </a:solidFill>
+                </a:rPr>
+                <a:t>버그 해결</a:t>
               </a:r>
             </a:p>
           </p:txBody>
@@ -6928,7 +6972,7 @@
         <p:spPr>
           <a:xfrm>
             <a:off x="1918182" y="1767515"/>
-            <a:ext cx="3082795" cy="3887026"/>
+            <a:ext cx="3720612" cy="3887026"/>
           </a:xfrm>
           <a:prstGeom prst="rect">
             <a:avLst/>
@@ -7025,7 +7069,18 @@
               <a:rPr lang="ko-KR" altLang="en-US" sz="2800" b="1" dirty="0"/>
               <a:t>보관기관지도</a:t>
             </a:r>
-            <a:endParaRPr lang="en-US" altLang="ko-KR" sz="2800" b="1" dirty="0"/>
+            <a:r>
+              <a:rPr lang="en-US" altLang="ko-KR" sz="2800" b="1" dirty="0"/>
+              <a:t>(</a:t>
+            </a:r>
+            <a:r>
+              <a:rPr lang="ko-KR" altLang="en-US" sz="2800" b="1" dirty="0" err="1"/>
+              <a:t>미구현</a:t>
+            </a:r>
+            <a:r>
+              <a:rPr lang="en-US" altLang="ko-KR" sz="2800" b="1" dirty="0"/>
+              <a:t>)</a:t>
+            </a:r>
           </a:p>
           <a:p>
             <a:pPr>
@@ -7083,15 +7138,15 @@
         </p:nvSpPr>
         <p:spPr>
           <a:xfrm>
-            <a:off x="7191025" y="1767515"/>
-            <a:ext cx="2465740" cy="4247317"/>
+            <a:off x="7191024" y="1767515"/>
+            <a:ext cx="4785071" cy="4247317"/>
           </a:xfrm>
           <a:prstGeom prst="rect">
             <a:avLst/>
           </a:prstGeom>
         </p:spPr>
         <p:txBody>
-          <a:bodyPr wrap="none">
+          <a:bodyPr wrap="square">
             <a:spAutoFit/>
           </a:bodyPr>
           <a:lstStyle/>
@@ -7145,10 +7200,10 @@
               </a:lnSpc>
             </a:pPr>
             <a:r>
-              <a:rPr lang="ko-KR" altLang="en-US" sz="2800" b="1" dirty="0"/>
+              <a:rPr lang="ko-KR" altLang="en-US" sz="2800" b="1" strike="sngStrike" dirty="0"/>
               <a:t>정렬</a:t>
             </a:r>
-            <a:endParaRPr lang="en-US" altLang="ko-KR" sz="2800" b="1" dirty="0"/>
+            <a:endParaRPr lang="en-US" altLang="ko-KR" sz="2800" b="1" strike="sngStrike" dirty="0"/>
           </a:p>
           <a:p>
             <a:pPr>
@@ -7157,35 +7212,25 @@
               </a:lnSpc>
             </a:pPr>
             <a:r>
-              <a:rPr lang="ko-KR" altLang="en-US" sz="2800" b="1" dirty="0" err="1">
-                <a:solidFill>
-                  <a:schemeClr val="tx1">
-                    <a:lumMod val="75000"/>
-                    <a:lumOff val="25000"/>
-                  </a:schemeClr>
-                </a:solidFill>
-              </a:rPr>
+              <a:rPr lang="ko-KR" altLang="en-US" sz="2800" b="1" dirty="0" err="1"/>
               <a:t>베포파일</a:t>
             </a:r>
             <a:r>
-              <a:rPr lang="ko-KR" altLang="en-US" sz="2800" b="1" dirty="0">
-                <a:solidFill>
-                  <a:schemeClr val="tx1">
-                    <a:lumMod val="75000"/>
-                    <a:lumOff val="25000"/>
-                  </a:schemeClr>
-                </a:solidFill>
-              </a:rPr>
+              <a:rPr lang="ko-KR" altLang="en-US" sz="2800" b="1" dirty="0"/>
               <a:t> 작성</a:t>
             </a:r>
-            <a:endParaRPr lang="en-US" altLang="ko-KR" sz="2800" b="1" dirty="0">
-              <a:solidFill>
-                <a:schemeClr val="tx1">
-                  <a:lumMod val="75000"/>
-                  <a:lumOff val="25000"/>
-                </a:schemeClr>
-              </a:solidFill>
-            </a:endParaRPr>
+            <a:r>
+              <a:rPr lang="en-US" altLang="ko-KR" sz="2800" b="1" dirty="0"/>
+              <a:t>(</a:t>
+            </a:r>
+            <a:r>
+              <a:rPr lang="ko-KR" altLang="en-US" sz="2800" b="1" dirty="0" err="1"/>
+              <a:t>미구현</a:t>
+            </a:r>
+            <a:r>
+              <a:rPr lang="en-US" altLang="ko-KR" sz="2800" b="1" dirty="0"/>
+              <a:t>)</a:t>
+            </a:r>
           </a:p>
           <a:p>
             <a:pPr>
@@ -7294,6 +7339,36 @@
           <a:chExt cx="0" cy="0"/>
         </a:xfrm>
       </p:grpSpPr>
+      <p:pic>
+        <p:nvPicPr>
+          <p:cNvPr id="4" name="그림 3">
+            <a:extLst>
+              <a:ext uri="{FF2B5EF4-FFF2-40B4-BE49-F238E27FC236}">
+                <a16:creationId xmlns:a16="http://schemas.microsoft.com/office/drawing/2014/main" id="{18797C01-988F-494A-A03A-4479C0A5DF0A}"/>
+              </a:ext>
+            </a:extLst>
+          </p:cNvPr>
+          <p:cNvPicPr>
+            <a:picLocks noChangeAspect="1"/>
+          </p:cNvPicPr>
+          <p:nvPr/>
+        </p:nvPicPr>
+        <p:blipFill>
+          <a:blip r:embed="rId2"/>
+          <a:stretch>
+            <a:fillRect/>
+          </a:stretch>
+        </p:blipFill>
+        <p:spPr>
+          <a:xfrm>
+            <a:off x="2161923" y="2169138"/>
+            <a:ext cx="6623025" cy="4152776"/>
+          </a:xfrm>
+          <a:prstGeom prst="rect">
+            <a:avLst/>
+          </a:prstGeom>
+        </p:spPr>
+      </p:pic>
       <p:sp>
         <p:nvSpPr>
           <p:cNvPr id="35" name="직사각형 34">
@@ -7346,809 +7421,687 @@
           </a:p>
         </p:txBody>
       </p:sp>
-      <p:grpSp>
-        <p:nvGrpSpPr>
-          <p:cNvPr id="33" name="그룹 32">
-            <a:extLst>
-              <a:ext uri="{FF2B5EF4-FFF2-40B4-BE49-F238E27FC236}">
-                <a16:creationId xmlns:a16="http://schemas.microsoft.com/office/drawing/2014/main" id="{E2689F1C-0803-4BBF-A577-DD644377F931}"/>
-              </a:ext>
-            </a:extLst>
-          </p:cNvPr>
-          <p:cNvGrpSpPr/>
+      <p:sp>
+        <p:nvSpPr>
+          <p:cNvPr id="7" name="직사각형 6">
+            <a:extLst>
+              <a:ext uri="{FF2B5EF4-FFF2-40B4-BE49-F238E27FC236}">
+                <a16:creationId xmlns:a16="http://schemas.microsoft.com/office/drawing/2014/main" id="{BD54D147-F632-4F23-8C73-0BE63C0ED5FC}"/>
+              </a:ext>
+            </a:extLst>
+          </p:cNvPr>
+          <p:cNvSpPr/>
           <p:nvPr/>
-        </p:nvGrpSpPr>
-        <p:grpSpPr>
+        </p:nvSpPr>
+        <p:spPr>
           <a:xfrm>
-            <a:off x="484269" y="1380633"/>
-            <a:ext cx="10018631" cy="4941281"/>
-            <a:chOff x="469004" y="501510"/>
-            <a:chExt cx="11911963" cy="5319633"/>
+            <a:off x="2254111" y="2540397"/>
+            <a:ext cx="1060775" cy="211029"/>
           </a:xfrm>
-        </p:grpSpPr>
-        <p:grpSp>
-          <p:nvGrpSpPr>
-            <p:cNvPr id="21" name="그룹 20">
-              <a:extLst>
-                <a:ext uri="{FF2B5EF4-FFF2-40B4-BE49-F238E27FC236}">
-                  <a16:creationId xmlns:a16="http://schemas.microsoft.com/office/drawing/2014/main" id="{E1332843-E1FB-4AB2-9D3E-D222355BE60C}"/>
-                </a:ext>
-              </a:extLst>
-            </p:cNvPr>
-            <p:cNvGrpSpPr/>
-            <p:nvPr/>
-          </p:nvGrpSpPr>
-          <p:grpSpPr>
-            <a:xfrm>
-              <a:off x="2063942" y="1061308"/>
-              <a:ext cx="8274412" cy="4735383"/>
-              <a:chOff x="1704109" y="1632857"/>
-              <a:chExt cx="8274412" cy="4735383"/>
-            </a:xfrm>
-          </p:grpSpPr>
-          <p:grpSp>
-            <p:nvGrpSpPr>
-              <p:cNvPr id="9" name="그룹 8">
-                <a:extLst>
-                  <a:ext uri="{FF2B5EF4-FFF2-40B4-BE49-F238E27FC236}">
-                    <a16:creationId xmlns:a16="http://schemas.microsoft.com/office/drawing/2014/main" id="{95CDD373-50F0-4ACF-BD85-66DB4CE45181}"/>
-                  </a:ext>
-                </a:extLst>
-              </p:cNvPr>
-              <p:cNvGrpSpPr/>
-              <p:nvPr/>
-            </p:nvGrpSpPr>
-            <p:grpSpPr>
-              <a:xfrm>
-                <a:off x="2103870" y="1898256"/>
-                <a:ext cx="7874651" cy="4469984"/>
-                <a:chOff x="2158674" y="1916069"/>
-                <a:chExt cx="7874651" cy="4469984"/>
-              </a:xfrm>
-            </p:grpSpPr>
-            <p:pic>
-              <p:nvPicPr>
-                <p:cNvPr id="6" name="그림 5">
-                  <a:extLst>
-                    <a:ext uri="{FF2B5EF4-FFF2-40B4-BE49-F238E27FC236}">
-                      <a16:creationId xmlns:a16="http://schemas.microsoft.com/office/drawing/2014/main" id="{6424D33B-ECC2-4208-8BC7-1D10BC47BA91}"/>
-                    </a:ext>
-                  </a:extLst>
-                </p:cNvPr>
-                <p:cNvPicPr>
-                  <a:picLocks noChangeAspect="1"/>
-                </p:cNvPicPr>
-                <p:nvPr/>
-              </p:nvPicPr>
-              <p:blipFill>
-                <a:blip r:embed="rId2"/>
-                <a:stretch>
-                  <a:fillRect/>
-                </a:stretch>
-              </p:blipFill>
-              <p:spPr>
-                <a:xfrm>
-                  <a:off x="2158674" y="1916069"/>
-                  <a:ext cx="7874651" cy="4469984"/>
-                </a:xfrm>
-                <a:prstGeom prst="rect">
-                  <a:avLst/>
-                </a:prstGeom>
-              </p:spPr>
-            </p:pic>
-            <p:pic>
-              <p:nvPicPr>
-                <p:cNvPr id="8" name="그림 7">
-                  <a:extLst>
-                    <a:ext uri="{FF2B5EF4-FFF2-40B4-BE49-F238E27FC236}">
-                      <a16:creationId xmlns:a16="http://schemas.microsoft.com/office/drawing/2014/main" id="{A09D199B-B5E6-4331-A858-1156B7DDFE59}"/>
-                    </a:ext>
-                  </a:extLst>
-                </p:cNvPr>
-                <p:cNvPicPr>
-                  <a:picLocks noChangeAspect="1"/>
-                </p:cNvPicPr>
-                <p:nvPr/>
-              </p:nvPicPr>
-              <p:blipFill>
-                <a:blip r:embed="rId3"/>
-                <a:stretch>
-                  <a:fillRect/>
-                </a:stretch>
-              </p:blipFill>
-              <p:spPr>
-                <a:xfrm>
-                  <a:off x="4737712" y="2604581"/>
-                  <a:ext cx="1271202" cy="1338027"/>
-                </a:xfrm>
-                <a:prstGeom prst="rect">
-                  <a:avLst/>
-                </a:prstGeom>
-              </p:spPr>
-            </p:pic>
-          </p:grpSp>
-          <p:sp>
-            <p:nvSpPr>
-              <p:cNvPr id="7" name="직사각형 6">
-                <a:extLst>
-                  <a:ext uri="{FF2B5EF4-FFF2-40B4-BE49-F238E27FC236}">
-                    <a16:creationId xmlns:a16="http://schemas.microsoft.com/office/drawing/2014/main" id="{BD54D147-F632-4F23-8C73-0BE63C0ED5FC}"/>
-                  </a:ext>
-                </a:extLst>
-              </p:cNvPr>
-              <p:cNvSpPr/>
-              <p:nvPr/>
-            </p:nvSpPr>
-            <p:spPr>
-              <a:xfrm>
-                <a:off x="2213479" y="2321626"/>
-                <a:ext cx="1261241" cy="227187"/>
-              </a:xfrm>
-              <a:prstGeom prst="rect">
-                <a:avLst/>
-              </a:prstGeom>
-              <a:noFill/>
-              <a:ln w="38100">
-                <a:solidFill>
-                  <a:srgbClr val="FF0000"/>
-                </a:solidFill>
-              </a:ln>
-            </p:spPr>
-            <p:style>
-              <a:lnRef idx="2">
-                <a:schemeClr val="accent1">
-                  <a:shade val="50000"/>
-                </a:schemeClr>
-              </a:lnRef>
-              <a:fillRef idx="1">
-                <a:schemeClr val="accent1"/>
-              </a:fillRef>
-              <a:effectRef idx="0">
-                <a:schemeClr val="accent1"/>
-              </a:effectRef>
-              <a:fontRef idx="minor">
-                <a:schemeClr val="lt1"/>
-              </a:fontRef>
-            </p:style>
-            <p:txBody>
-              <a:bodyPr rtlCol="0" anchor="ctr"/>
-              <a:lstStyle/>
-              <a:p>
-                <a:pPr algn="ctr"/>
-                <a:endParaRPr lang="ko-KR" altLang="en-US"/>
-              </a:p>
-            </p:txBody>
-          </p:sp>
-          <p:sp>
-            <p:nvSpPr>
-              <p:cNvPr id="10" name="직사각형 9">
-                <a:extLst>
-                  <a:ext uri="{FF2B5EF4-FFF2-40B4-BE49-F238E27FC236}">
-                    <a16:creationId xmlns:a16="http://schemas.microsoft.com/office/drawing/2014/main" id="{B2914867-F13B-4881-8D8F-C23C68CBDDB7}"/>
-                  </a:ext>
-                </a:extLst>
-              </p:cNvPr>
-              <p:cNvSpPr/>
-              <p:nvPr/>
-            </p:nvSpPr>
-            <p:spPr>
-              <a:xfrm>
-                <a:off x="2213479" y="5668489"/>
-                <a:ext cx="3439176" cy="227187"/>
-              </a:xfrm>
-              <a:prstGeom prst="rect">
-                <a:avLst/>
-              </a:prstGeom>
-              <a:noFill/>
-              <a:ln w="38100">
-                <a:solidFill>
-                  <a:srgbClr val="FF0000"/>
-                </a:solidFill>
-              </a:ln>
-            </p:spPr>
-            <p:style>
-              <a:lnRef idx="2">
-                <a:schemeClr val="accent1">
-                  <a:shade val="50000"/>
-                </a:schemeClr>
-              </a:lnRef>
-              <a:fillRef idx="1">
-                <a:schemeClr val="accent1"/>
-              </a:fillRef>
-              <a:effectRef idx="0">
-                <a:schemeClr val="accent1"/>
-              </a:effectRef>
-              <a:fontRef idx="minor">
-                <a:schemeClr val="lt1"/>
-              </a:fontRef>
-            </p:style>
-            <p:txBody>
-              <a:bodyPr rtlCol="0" anchor="ctr"/>
-              <a:lstStyle/>
-              <a:p>
-                <a:pPr algn="ctr"/>
-                <a:endParaRPr lang="ko-KR" altLang="en-US"/>
-              </a:p>
-            </p:txBody>
-          </p:sp>
-          <p:sp>
-            <p:nvSpPr>
-              <p:cNvPr id="11" name="직사각형 10">
-                <a:extLst>
-                  <a:ext uri="{FF2B5EF4-FFF2-40B4-BE49-F238E27FC236}">
-                    <a16:creationId xmlns:a16="http://schemas.microsoft.com/office/drawing/2014/main" id="{88B11664-D3D4-4374-9E8D-465DB02F4BE7}"/>
-                  </a:ext>
-                </a:extLst>
-              </p:cNvPr>
-              <p:cNvSpPr/>
-              <p:nvPr/>
-            </p:nvSpPr>
-            <p:spPr>
-              <a:xfrm>
-                <a:off x="4698812" y="2586768"/>
-                <a:ext cx="1255297" cy="1338027"/>
-              </a:xfrm>
-              <a:prstGeom prst="rect">
-                <a:avLst/>
-              </a:prstGeom>
-              <a:noFill/>
-              <a:ln w="38100">
-                <a:solidFill>
-                  <a:srgbClr val="FF0000"/>
-                </a:solidFill>
-              </a:ln>
-            </p:spPr>
-            <p:style>
-              <a:lnRef idx="2">
-                <a:schemeClr val="accent1">
-                  <a:shade val="50000"/>
-                </a:schemeClr>
-              </a:lnRef>
-              <a:fillRef idx="1">
-                <a:schemeClr val="accent1"/>
-              </a:fillRef>
-              <a:effectRef idx="0">
-                <a:schemeClr val="accent1"/>
-              </a:effectRef>
-              <a:fontRef idx="minor">
-                <a:schemeClr val="lt1"/>
-              </a:fontRef>
-            </p:style>
-            <p:txBody>
-              <a:bodyPr rtlCol="0" anchor="ctr"/>
-              <a:lstStyle/>
-              <a:p>
-                <a:pPr algn="ctr"/>
-                <a:endParaRPr lang="ko-KR" altLang="en-US"/>
-              </a:p>
-            </p:txBody>
-          </p:sp>
-          <p:sp>
-            <p:nvSpPr>
-              <p:cNvPr id="12" name="직사각형 11">
-                <a:extLst>
-                  <a:ext uri="{FF2B5EF4-FFF2-40B4-BE49-F238E27FC236}">
-                    <a16:creationId xmlns:a16="http://schemas.microsoft.com/office/drawing/2014/main" id="{4678F010-3CCF-4886-BFEF-C1F066890FA6}"/>
-                  </a:ext>
-                </a:extLst>
-              </p:cNvPr>
-              <p:cNvSpPr/>
-              <p:nvPr/>
-            </p:nvSpPr>
-            <p:spPr>
-              <a:xfrm>
-                <a:off x="6905644" y="2214111"/>
-                <a:ext cx="1033012" cy="372658"/>
-              </a:xfrm>
-              <a:prstGeom prst="rect">
-                <a:avLst/>
-              </a:prstGeom>
-              <a:noFill/>
-              <a:ln w="38100">
-                <a:solidFill>
-                  <a:srgbClr val="FF0000"/>
-                </a:solidFill>
-              </a:ln>
-            </p:spPr>
-            <p:style>
-              <a:lnRef idx="2">
-                <a:schemeClr val="accent1">
-                  <a:shade val="50000"/>
-                </a:schemeClr>
-              </a:lnRef>
-              <a:fillRef idx="1">
-                <a:schemeClr val="accent1"/>
-              </a:fillRef>
-              <a:effectRef idx="0">
-                <a:schemeClr val="accent1"/>
-              </a:effectRef>
-              <a:fontRef idx="minor">
-                <a:schemeClr val="lt1"/>
-              </a:fontRef>
-            </p:style>
-            <p:txBody>
-              <a:bodyPr rtlCol="0" anchor="ctr"/>
-              <a:lstStyle/>
-              <a:p>
-                <a:pPr algn="ctr"/>
-                <a:endParaRPr lang="ko-KR" altLang="en-US"/>
-              </a:p>
-            </p:txBody>
-          </p:sp>
-          <p:cxnSp>
-            <p:nvCxnSpPr>
-              <p:cNvPr id="14" name="직선 화살표 연결선 13">
-                <a:extLst>
-                  <a:ext uri="{FF2B5EF4-FFF2-40B4-BE49-F238E27FC236}">
-                    <a16:creationId xmlns:a16="http://schemas.microsoft.com/office/drawing/2014/main" id="{F7EE43F7-3B1B-4A41-9C51-880E287BAC7A}"/>
-                  </a:ext>
-                </a:extLst>
-              </p:cNvPr>
-              <p:cNvCxnSpPr>
-                <a:stCxn id="7" idx="1"/>
-              </p:cNvCxnSpPr>
-              <p:nvPr/>
-            </p:nvCxnSpPr>
-            <p:spPr>
-              <a:xfrm flipH="1" flipV="1">
-                <a:off x="1704109" y="1727860"/>
-                <a:ext cx="509370" cy="707360"/>
-              </a:xfrm>
-              <a:prstGeom prst="straightConnector1">
-                <a:avLst/>
-              </a:prstGeom>
-              <a:ln w="28575">
-                <a:solidFill>
-                  <a:srgbClr val="FF0000"/>
-                </a:solidFill>
-                <a:tailEnd type="triangle"/>
-              </a:ln>
-            </p:spPr>
-            <p:style>
-              <a:lnRef idx="1">
-                <a:schemeClr val="accent1"/>
-              </a:lnRef>
-              <a:fillRef idx="0">
-                <a:schemeClr val="accent1"/>
-              </a:fillRef>
-              <a:effectRef idx="0">
-                <a:schemeClr val="accent1"/>
-              </a:effectRef>
-              <a:fontRef idx="minor">
-                <a:schemeClr val="tx1"/>
-              </a:fontRef>
-            </p:style>
-          </p:cxnSp>
-          <p:cxnSp>
-            <p:nvCxnSpPr>
-              <p:cNvPr id="15" name="직선 화살표 연결선 14">
-                <a:extLst>
-                  <a:ext uri="{FF2B5EF4-FFF2-40B4-BE49-F238E27FC236}">
-                    <a16:creationId xmlns:a16="http://schemas.microsoft.com/office/drawing/2014/main" id="{1E8E792D-00B5-4F85-98C5-6F4C5C285FE5}"/>
-                  </a:ext>
-                </a:extLst>
-              </p:cNvPr>
-              <p:cNvCxnSpPr>
-                <a:cxnSpLocks/>
-              </p:cNvCxnSpPr>
-              <p:nvPr/>
-            </p:nvCxnSpPr>
-            <p:spPr>
-              <a:xfrm flipH="1">
-                <a:off x="1704109" y="5778278"/>
-                <a:ext cx="509370" cy="0"/>
-              </a:xfrm>
-              <a:prstGeom prst="straightConnector1">
-                <a:avLst/>
-              </a:prstGeom>
-              <a:ln w="28575">
-                <a:solidFill>
-                  <a:srgbClr val="FF0000"/>
-                </a:solidFill>
-                <a:tailEnd type="triangle"/>
-              </a:ln>
-            </p:spPr>
-            <p:style>
-              <a:lnRef idx="1">
-                <a:schemeClr val="accent1"/>
-              </a:lnRef>
-              <a:fillRef idx="0">
-                <a:schemeClr val="accent1"/>
-              </a:fillRef>
-              <a:effectRef idx="0">
-                <a:schemeClr val="accent1"/>
-              </a:effectRef>
-              <a:fontRef idx="minor">
-                <a:schemeClr val="tx1"/>
-              </a:fontRef>
-            </p:style>
-          </p:cxnSp>
-          <p:cxnSp>
-            <p:nvCxnSpPr>
-              <p:cNvPr id="17" name="직선 화살표 연결선 16">
-                <a:extLst>
-                  <a:ext uri="{FF2B5EF4-FFF2-40B4-BE49-F238E27FC236}">
-                    <a16:creationId xmlns:a16="http://schemas.microsoft.com/office/drawing/2014/main" id="{E42E0970-8C05-4DE5-86C0-8FB6C63824DA}"/>
-                  </a:ext>
-                </a:extLst>
-              </p:cNvPr>
-              <p:cNvCxnSpPr>
-                <a:cxnSpLocks/>
-              </p:cNvCxnSpPr>
-              <p:nvPr/>
-            </p:nvCxnSpPr>
-            <p:spPr>
-              <a:xfrm flipV="1">
-                <a:off x="5371804" y="1632857"/>
-                <a:ext cx="0" cy="953911"/>
-              </a:xfrm>
-              <a:prstGeom prst="straightConnector1">
-                <a:avLst/>
-              </a:prstGeom>
-              <a:ln w="28575">
-                <a:solidFill>
-                  <a:srgbClr val="FF0000"/>
-                </a:solidFill>
-                <a:tailEnd type="triangle"/>
-              </a:ln>
-            </p:spPr>
-            <p:style>
-              <a:lnRef idx="1">
-                <a:schemeClr val="accent1"/>
-              </a:lnRef>
-              <a:fillRef idx="0">
-                <a:schemeClr val="accent1"/>
-              </a:fillRef>
-              <a:effectRef idx="0">
-                <a:schemeClr val="accent1"/>
-              </a:effectRef>
-              <a:fontRef idx="minor">
-                <a:schemeClr val="tx1"/>
-              </a:fontRef>
-            </p:style>
-          </p:cxnSp>
-          <p:cxnSp>
-            <p:nvCxnSpPr>
-              <p:cNvPr id="19" name="직선 화살표 연결선 18">
-                <a:extLst>
-                  <a:ext uri="{FF2B5EF4-FFF2-40B4-BE49-F238E27FC236}">
-                    <a16:creationId xmlns:a16="http://schemas.microsoft.com/office/drawing/2014/main" id="{7E50402E-3828-44CB-86AA-3ACFDCFD6538}"/>
-                  </a:ext>
-                </a:extLst>
-              </p:cNvPr>
-              <p:cNvCxnSpPr>
-                <a:cxnSpLocks/>
-              </p:cNvCxnSpPr>
-              <p:nvPr/>
-            </p:nvCxnSpPr>
-            <p:spPr>
-              <a:xfrm flipV="1">
-                <a:off x="7422150" y="1632857"/>
-                <a:ext cx="0" cy="571959"/>
-              </a:xfrm>
-              <a:prstGeom prst="straightConnector1">
-                <a:avLst/>
-              </a:prstGeom>
-              <a:ln w="28575">
-                <a:solidFill>
-                  <a:srgbClr val="FF0000"/>
-                </a:solidFill>
-                <a:tailEnd type="triangle"/>
-              </a:ln>
-            </p:spPr>
-            <p:style>
-              <a:lnRef idx="1">
-                <a:schemeClr val="accent1"/>
-              </a:lnRef>
-              <a:fillRef idx="0">
-                <a:schemeClr val="accent1"/>
-              </a:fillRef>
-              <a:effectRef idx="0">
-                <a:schemeClr val="accent1"/>
-              </a:effectRef>
-              <a:fontRef idx="minor">
-                <a:schemeClr val="tx1"/>
-              </a:fontRef>
-            </p:style>
-          </p:cxnSp>
-        </p:grpSp>
-        <p:sp>
-          <p:nvSpPr>
-            <p:cNvPr id="22" name="TextBox 21">
-              <a:extLst>
-                <a:ext uri="{FF2B5EF4-FFF2-40B4-BE49-F238E27FC236}">
-                  <a16:creationId xmlns:a16="http://schemas.microsoft.com/office/drawing/2014/main" id="{174D8BEB-C9FA-4D06-A786-0C69567D84ED}"/>
-                </a:ext>
-              </a:extLst>
-            </p:cNvPr>
-            <p:cNvSpPr txBox="1"/>
-            <p:nvPr/>
-          </p:nvSpPr>
-          <p:spPr>
-            <a:xfrm>
-              <a:off x="680364" y="599643"/>
-              <a:ext cx="1750212" cy="497015"/>
-            </a:xfrm>
-            <a:prstGeom prst="rect">
-              <a:avLst/>
-            </a:prstGeom>
+          <a:prstGeom prst="rect">
+            <a:avLst/>
+          </a:prstGeom>
+          <a:noFill/>
+          <a:ln w="38100">
             <a:solidFill>
-              <a:schemeClr val="bg1">
-                <a:lumMod val="85000"/>
-              </a:schemeClr>
+              <a:srgbClr val="FF0000"/>
             </a:solidFill>
-          </p:spPr>
-          <p:txBody>
-            <a:bodyPr wrap="square" rtlCol="0">
-              <a:spAutoFit/>
-            </a:bodyPr>
-            <a:lstStyle/>
-            <a:p>
-              <a:r>
-                <a:rPr lang="en-US" altLang="ko-KR" sz="2400" b="1" dirty="0" err="1"/>
-                <a:t>Spinbox</a:t>
-              </a:r>
-              <a:endParaRPr lang="ko-KR" altLang="en-US" sz="2400" b="1" dirty="0"/>
-            </a:p>
-          </p:txBody>
-        </p:sp>
-        <p:sp>
-          <p:nvSpPr>
-            <p:cNvPr id="23" name="TextBox 22">
-              <a:extLst>
-                <a:ext uri="{FF2B5EF4-FFF2-40B4-BE49-F238E27FC236}">
-                  <a16:creationId xmlns:a16="http://schemas.microsoft.com/office/drawing/2014/main" id="{9B4276F5-E341-42AC-943C-93D9273BA55A}"/>
-                </a:ext>
-              </a:extLst>
-            </p:cNvPr>
-            <p:cNvSpPr txBox="1"/>
-            <p:nvPr/>
-          </p:nvSpPr>
-          <p:spPr>
-            <a:xfrm>
-              <a:off x="469004" y="4745064"/>
-              <a:ext cx="1750211" cy="497015"/>
-            </a:xfrm>
-            <a:prstGeom prst="rect">
-              <a:avLst/>
-            </a:prstGeom>
+          </a:ln>
+        </p:spPr>
+        <p:style>
+          <a:lnRef idx="2">
+            <a:schemeClr val="accent1">
+              <a:shade val="50000"/>
+            </a:schemeClr>
+          </a:lnRef>
+          <a:fillRef idx="1">
+            <a:schemeClr val="accent1"/>
+          </a:fillRef>
+          <a:effectRef idx="0">
+            <a:schemeClr val="accent1"/>
+          </a:effectRef>
+          <a:fontRef idx="minor">
+            <a:schemeClr val="lt1"/>
+          </a:fontRef>
+        </p:style>
+        <p:txBody>
+          <a:bodyPr rtlCol="0" anchor="ctr"/>
+          <a:lstStyle/>
+          <a:p>
+            <a:pPr algn="ctr"/>
+            <a:endParaRPr lang="ko-KR" altLang="en-US"/>
+          </a:p>
+        </p:txBody>
+      </p:sp>
+      <p:sp>
+        <p:nvSpPr>
+          <p:cNvPr id="10" name="직사각형 9">
+            <a:extLst>
+              <a:ext uri="{FF2B5EF4-FFF2-40B4-BE49-F238E27FC236}">
+                <a16:creationId xmlns:a16="http://schemas.microsoft.com/office/drawing/2014/main" id="{B2914867-F13B-4881-8D8F-C23C68CBDDB7}"/>
+              </a:ext>
+            </a:extLst>
+          </p:cNvPr>
+          <p:cNvSpPr/>
+          <p:nvPr/>
+        </p:nvSpPr>
+        <p:spPr>
+          <a:xfrm>
+            <a:off x="2254111" y="5649219"/>
+            <a:ext cx="2892540" cy="211029"/>
+          </a:xfrm>
+          <a:prstGeom prst="rect">
+            <a:avLst/>
+          </a:prstGeom>
+          <a:noFill/>
+          <a:ln w="38100">
             <a:solidFill>
-              <a:schemeClr val="bg1">
-                <a:lumMod val="85000"/>
-              </a:schemeClr>
+              <a:srgbClr val="FF0000"/>
             </a:solidFill>
-          </p:spPr>
-          <p:txBody>
-            <a:bodyPr wrap="square" rtlCol="0">
-              <a:spAutoFit/>
-            </a:bodyPr>
-            <a:lstStyle/>
-            <a:p>
-              <a:r>
-                <a:rPr lang="en-US" altLang="ko-KR" sz="2400" b="1" dirty="0"/>
-                <a:t>Scrollbar</a:t>
-              </a:r>
-              <a:endParaRPr lang="ko-KR" altLang="en-US" sz="2400" b="1" dirty="0"/>
-            </a:p>
-          </p:txBody>
-        </p:sp>
-        <p:sp>
-          <p:nvSpPr>
-            <p:cNvPr id="25" name="TextBox 24">
-              <a:extLst>
-                <a:ext uri="{FF2B5EF4-FFF2-40B4-BE49-F238E27FC236}">
-                  <a16:creationId xmlns:a16="http://schemas.microsoft.com/office/drawing/2014/main" id="{C791A035-CB6C-48A9-A804-FAA1887306FE}"/>
-                </a:ext>
-              </a:extLst>
-            </p:cNvPr>
-            <p:cNvSpPr txBox="1"/>
-            <p:nvPr/>
-          </p:nvSpPr>
-          <p:spPr>
-            <a:xfrm>
-              <a:off x="4986953" y="501510"/>
-              <a:ext cx="2159607" cy="497015"/>
-            </a:xfrm>
-            <a:prstGeom prst="rect">
-              <a:avLst/>
-            </a:prstGeom>
+          </a:ln>
+        </p:spPr>
+        <p:style>
+          <a:lnRef idx="2">
+            <a:schemeClr val="accent1">
+              <a:shade val="50000"/>
+            </a:schemeClr>
+          </a:lnRef>
+          <a:fillRef idx="1">
+            <a:schemeClr val="accent1"/>
+          </a:fillRef>
+          <a:effectRef idx="0">
+            <a:schemeClr val="accent1"/>
+          </a:effectRef>
+          <a:fontRef idx="minor">
+            <a:schemeClr val="lt1"/>
+          </a:fontRef>
+        </p:style>
+        <p:txBody>
+          <a:bodyPr rtlCol="0" anchor="ctr"/>
+          <a:lstStyle/>
+          <a:p>
+            <a:pPr algn="ctr"/>
+            <a:endParaRPr lang="ko-KR" altLang="en-US"/>
+          </a:p>
+        </p:txBody>
+      </p:sp>
+      <p:sp>
+        <p:nvSpPr>
+          <p:cNvPr id="11" name="직사각형 10">
+            <a:extLst>
+              <a:ext uri="{FF2B5EF4-FFF2-40B4-BE49-F238E27FC236}">
+                <a16:creationId xmlns:a16="http://schemas.microsoft.com/office/drawing/2014/main" id="{88B11664-D3D4-4374-9E8D-465DB02F4BE7}"/>
+              </a:ext>
+            </a:extLst>
+          </p:cNvPr>
+          <p:cNvSpPr/>
+          <p:nvPr/>
+        </p:nvSpPr>
+        <p:spPr>
+          <a:xfrm>
+            <a:off x="4344416" y="2786681"/>
+            <a:ext cx="1055775" cy="1242862"/>
+          </a:xfrm>
+          <a:prstGeom prst="rect">
+            <a:avLst/>
+          </a:prstGeom>
+          <a:noFill/>
+          <a:ln w="38100">
             <a:solidFill>
-              <a:schemeClr val="bg1">
-                <a:lumMod val="85000"/>
-              </a:schemeClr>
+              <a:srgbClr val="FF0000"/>
             </a:solidFill>
-          </p:spPr>
-          <p:txBody>
-            <a:bodyPr wrap="square" rtlCol="0">
-              <a:spAutoFit/>
-            </a:bodyPr>
-            <a:lstStyle/>
-            <a:p>
-              <a:r>
-                <a:rPr lang="en-US" altLang="ko-KR" sz="2400" b="1" dirty="0" err="1"/>
-                <a:t>Combobox</a:t>
-              </a:r>
-              <a:endParaRPr lang="ko-KR" altLang="en-US" sz="2400" b="1" dirty="0"/>
-            </a:p>
-          </p:txBody>
-        </p:sp>
-        <p:sp>
-          <p:nvSpPr>
-            <p:cNvPr id="26" name="TextBox 25">
-              <a:extLst>
-                <a:ext uri="{FF2B5EF4-FFF2-40B4-BE49-F238E27FC236}">
-                  <a16:creationId xmlns:a16="http://schemas.microsoft.com/office/drawing/2014/main" id="{3FA7301E-597F-4AA2-90AB-721F8911E3B9}"/>
-                </a:ext>
-              </a:extLst>
-            </p:cNvPr>
-            <p:cNvSpPr txBox="1"/>
-            <p:nvPr/>
-          </p:nvSpPr>
-          <p:spPr>
-            <a:xfrm>
-              <a:off x="7407731" y="501510"/>
-              <a:ext cx="2617622" cy="497015"/>
-            </a:xfrm>
-            <a:prstGeom prst="rect">
-              <a:avLst/>
-            </a:prstGeom>
+          </a:ln>
+        </p:spPr>
+        <p:style>
+          <a:lnRef idx="2">
+            <a:schemeClr val="accent1">
+              <a:shade val="50000"/>
+            </a:schemeClr>
+          </a:lnRef>
+          <a:fillRef idx="1">
+            <a:schemeClr val="accent1"/>
+          </a:fillRef>
+          <a:effectRef idx="0">
+            <a:schemeClr val="accent1"/>
+          </a:effectRef>
+          <a:fontRef idx="minor">
+            <a:schemeClr val="lt1"/>
+          </a:fontRef>
+        </p:style>
+        <p:txBody>
+          <a:bodyPr rtlCol="0" anchor="ctr"/>
+          <a:lstStyle/>
+          <a:p>
+            <a:pPr algn="ctr"/>
+            <a:endParaRPr lang="ko-KR" altLang="en-US"/>
+          </a:p>
+        </p:txBody>
+      </p:sp>
+      <p:sp>
+        <p:nvSpPr>
+          <p:cNvPr id="12" name="직사각형 11">
+            <a:extLst>
+              <a:ext uri="{FF2B5EF4-FFF2-40B4-BE49-F238E27FC236}">
+                <a16:creationId xmlns:a16="http://schemas.microsoft.com/office/drawing/2014/main" id="{4678F010-3CCF-4886-BFEF-C1F066890FA6}"/>
+              </a:ext>
+            </a:extLst>
+          </p:cNvPr>
+          <p:cNvSpPr/>
+          <p:nvPr/>
+        </p:nvSpPr>
+        <p:spPr>
+          <a:xfrm>
+            <a:off x="6200486" y="2440529"/>
+            <a:ext cx="868821" cy="346153"/>
+          </a:xfrm>
+          <a:prstGeom prst="rect">
+            <a:avLst/>
+          </a:prstGeom>
+          <a:noFill/>
+          <a:ln w="38100">
             <a:solidFill>
-              <a:schemeClr val="bg1">
-                <a:lumMod val="85000"/>
-              </a:schemeClr>
+              <a:srgbClr val="FF0000"/>
             </a:solidFill>
-          </p:spPr>
-          <p:txBody>
-            <a:bodyPr wrap="square" rtlCol="0">
-              <a:spAutoFit/>
-            </a:bodyPr>
-            <a:lstStyle/>
-            <a:p>
-              <a:r>
-                <a:rPr lang="en-US" altLang="ko-KR" sz="2400" b="1" dirty="0" err="1"/>
-                <a:t>Checkbutton</a:t>
-              </a:r>
-              <a:endParaRPr lang="ko-KR" altLang="en-US" sz="2400" b="1" dirty="0"/>
-            </a:p>
-          </p:txBody>
-        </p:sp>
-        <p:sp>
-          <p:nvSpPr>
-            <p:cNvPr id="28" name="직사각형 27">
-              <a:extLst>
-                <a:ext uri="{FF2B5EF4-FFF2-40B4-BE49-F238E27FC236}">
-                  <a16:creationId xmlns:a16="http://schemas.microsoft.com/office/drawing/2014/main" id="{9EA40C28-07B7-4310-B588-E36F080F944C}"/>
-                </a:ext>
-              </a:extLst>
-            </p:cNvPr>
-            <p:cNvSpPr/>
-            <p:nvPr/>
-          </p:nvSpPr>
-          <p:spPr>
-            <a:xfrm>
-              <a:off x="6193969" y="5206729"/>
-              <a:ext cx="4056341" cy="589962"/>
-            </a:xfrm>
-            <a:prstGeom prst="rect">
-              <a:avLst/>
-            </a:prstGeom>
-            <a:noFill/>
-            <a:ln w="38100">
-              <a:solidFill>
-                <a:srgbClr val="FF0000"/>
-              </a:solidFill>
-            </a:ln>
-          </p:spPr>
-          <p:style>
-            <a:lnRef idx="2">
-              <a:schemeClr val="accent1">
-                <a:shade val="50000"/>
-              </a:schemeClr>
-            </a:lnRef>
-            <a:fillRef idx="1">
-              <a:schemeClr val="accent1"/>
-            </a:fillRef>
-            <a:effectRef idx="0">
-              <a:schemeClr val="accent1"/>
-            </a:effectRef>
-            <a:fontRef idx="minor">
-              <a:schemeClr val="lt1"/>
-            </a:fontRef>
-          </p:style>
-          <p:txBody>
-            <a:bodyPr rtlCol="0" anchor="ctr"/>
-            <a:lstStyle/>
-            <a:p>
-              <a:pPr algn="ctr"/>
-              <a:endParaRPr lang="ko-KR" altLang="en-US"/>
-            </a:p>
-          </p:txBody>
-        </p:sp>
-        <p:cxnSp>
-          <p:nvCxnSpPr>
-            <p:cNvPr id="29" name="직선 화살표 연결선 28">
-              <a:extLst>
-                <a:ext uri="{FF2B5EF4-FFF2-40B4-BE49-F238E27FC236}">
-                  <a16:creationId xmlns:a16="http://schemas.microsoft.com/office/drawing/2014/main" id="{2E4C40D1-B124-4639-80F0-007DB72EBB1B}"/>
-                </a:ext>
-              </a:extLst>
-            </p:cNvPr>
-            <p:cNvCxnSpPr>
-              <a:cxnSpLocks/>
-            </p:cNvCxnSpPr>
-            <p:nvPr/>
-          </p:nvCxnSpPr>
-          <p:spPr>
-            <a:xfrm>
-              <a:off x="10250310" y="5501710"/>
-              <a:ext cx="613676" cy="0"/>
-            </a:xfrm>
-            <a:prstGeom prst="straightConnector1">
-              <a:avLst/>
-            </a:prstGeom>
-            <a:ln w="28575">
-              <a:solidFill>
-                <a:srgbClr val="FF0000"/>
-              </a:solidFill>
-              <a:tailEnd type="triangle"/>
-            </a:ln>
-          </p:spPr>
-          <p:style>
-            <a:lnRef idx="1">
-              <a:schemeClr val="accent1"/>
-            </a:lnRef>
-            <a:fillRef idx="0">
-              <a:schemeClr val="accent1"/>
-            </a:fillRef>
-            <a:effectRef idx="0">
-              <a:schemeClr val="accent1"/>
-            </a:effectRef>
-            <a:fontRef idx="minor">
-              <a:schemeClr val="tx1"/>
-            </a:fontRef>
-          </p:style>
-        </p:cxnSp>
-        <p:sp>
-          <p:nvSpPr>
-            <p:cNvPr id="31" name="TextBox 30">
-              <a:extLst>
-                <a:ext uri="{FF2B5EF4-FFF2-40B4-BE49-F238E27FC236}">
-                  <a16:creationId xmlns:a16="http://schemas.microsoft.com/office/drawing/2014/main" id="{A43F426D-8456-45ED-8D0E-F78F66D0E078}"/>
-                </a:ext>
-              </a:extLst>
-            </p:cNvPr>
-            <p:cNvSpPr txBox="1"/>
-            <p:nvPr/>
-          </p:nvSpPr>
-          <p:spPr>
-            <a:xfrm>
-              <a:off x="10945482" y="5324128"/>
-              <a:ext cx="1435485" cy="497015"/>
-            </a:xfrm>
-            <a:prstGeom prst="rect">
-              <a:avLst/>
-            </a:prstGeom>
+          </a:ln>
+        </p:spPr>
+        <p:style>
+          <a:lnRef idx="2">
+            <a:schemeClr val="accent1">
+              <a:shade val="50000"/>
+            </a:schemeClr>
+          </a:lnRef>
+          <a:fillRef idx="1">
+            <a:schemeClr val="accent1"/>
+          </a:fillRef>
+          <a:effectRef idx="0">
+            <a:schemeClr val="accent1"/>
+          </a:effectRef>
+          <a:fontRef idx="minor">
+            <a:schemeClr val="lt1"/>
+          </a:fontRef>
+        </p:style>
+        <p:txBody>
+          <a:bodyPr rtlCol="0" anchor="ctr"/>
+          <a:lstStyle/>
+          <a:p>
+            <a:pPr algn="ctr"/>
+            <a:endParaRPr lang="ko-KR" altLang="en-US"/>
+          </a:p>
+        </p:txBody>
+      </p:sp>
+      <p:cxnSp>
+        <p:nvCxnSpPr>
+          <p:cNvPr id="14" name="직선 화살표 연결선 13">
+            <a:extLst>
+              <a:ext uri="{FF2B5EF4-FFF2-40B4-BE49-F238E27FC236}">
+                <a16:creationId xmlns:a16="http://schemas.microsoft.com/office/drawing/2014/main" id="{F7EE43F7-3B1B-4A41-9C51-880E287BAC7A}"/>
+              </a:ext>
+            </a:extLst>
+          </p:cNvPr>
+          <p:cNvCxnSpPr>
+            <a:cxnSpLocks/>
+            <a:stCxn id="7" idx="1"/>
+          </p:cNvCxnSpPr>
+          <p:nvPr/>
+        </p:nvCxnSpPr>
+        <p:spPr>
+          <a:xfrm flipH="1" flipV="1">
+            <a:off x="1825702" y="1988862"/>
+            <a:ext cx="428409" cy="657050"/>
+          </a:xfrm>
+          <a:prstGeom prst="straightConnector1">
+            <a:avLst/>
+          </a:prstGeom>
+          <a:ln w="28575">
             <a:solidFill>
-              <a:schemeClr val="bg1">
-                <a:lumMod val="85000"/>
-              </a:schemeClr>
+              <a:srgbClr val="FF0000"/>
             </a:solidFill>
-          </p:spPr>
-          <p:txBody>
-            <a:bodyPr wrap="square" rtlCol="0">
-              <a:spAutoFit/>
-            </a:bodyPr>
-            <a:lstStyle/>
-            <a:p>
-              <a:r>
-                <a:rPr lang="en-US" altLang="ko-KR" sz="2400" b="1" dirty="0"/>
-                <a:t>button</a:t>
-              </a:r>
-              <a:endParaRPr lang="ko-KR" altLang="en-US" sz="2400" b="1" dirty="0"/>
-            </a:p>
-          </p:txBody>
-        </p:sp>
-      </p:grpSp>
+            <a:tailEnd type="triangle"/>
+          </a:ln>
+        </p:spPr>
+        <p:style>
+          <a:lnRef idx="1">
+            <a:schemeClr val="accent1"/>
+          </a:lnRef>
+          <a:fillRef idx="0">
+            <a:schemeClr val="accent1"/>
+          </a:fillRef>
+          <a:effectRef idx="0">
+            <a:schemeClr val="accent1"/>
+          </a:effectRef>
+          <a:fontRef idx="minor">
+            <a:schemeClr val="tx1"/>
+          </a:fontRef>
+        </p:style>
+      </p:cxnSp>
+      <p:cxnSp>
+        <p:nvCxnSpPr>
+          <p:cNvPr id="15" name="직선 화살표 연결선 14">
+            <a:extLst>
+              <a:ext uri="{FF2B5EF4-FFF2-40B4-BE49-F238E27FC236}">
+                <a16:creationId xmlns:a16="http://schemas.microsoft.com/office/drawing/2014/main" id="{1E8E792D-00B5-4F85-98C5-6F4C5C285FE5}"/>
+              </a:ext>
+            </a:extLst>
+          </p:cNvPr>
+          <p:cNvCxnSpPr>
+            <a:cxnSpLocks/>
+          </p:cNvCxnSpPr>
+          <p:nvPr/>
+        </p:nvCxnSpPr>
+        <p:spPr>
+          <a:xfrm flipH="1">
+            <a:off x="1825702" y="5751199"/>
+            <a:ext cx="428409" cy="0"/>
+          </a:xfrm>
+          <a:prstGeom prst="straightConnector1">
+            <a:avLst/>
+          </a:prstGeom>
+          <a:ln w="28575">
+            <a:solidFill>
+              <a:srgbClr val="FF0000"/>
+            </a:solidFill>
+            <a:tailEnd type="triangle"/>
+          </a:ln>
+        </p:spPr>
+        <p:style>
+          <a:lnRef idx="1">
+            <a:schemeClr val="accent1"/>
+          </a:lnRef>
+          <a:fillRef idx="0">
+            <a:schemeClr val="accent1"/>
+          </a:fillRef>
+          <a:effectRef idx="0">
+            <a:schemeClr val="accent1"/>
+          </a:effectRef>
+          <a:fontRef idx="minor">
+            <a:schemeClr val="tx1"/>
+          </a:fontRef>
+        </p:style>
+      </p:cxnSp>
+      <p:cxnSp>
+        <p:nvCxnSpPr>
+          <p:cNvPr id="17" name="직선 화살표 연결선 16">
+            <a:extLst>
+              <a:ext uri="{FF2B5EF4-FFF2-40B4-BE49-F238E27FC236}">
+                <a16:creationId xmlns:a16="http://schemas.microsoft.com/office/drawing/2014/main" id="{E42E0970-8C05-4DE5-86C0-8FB6C63824DA}"/>
+              </a:ext>
+            </a:extLst>
+          </p:cNvPr>
+          <p:cNvCxnSpPr>
+            <a:cxnSpLocks/>
+          </p:cNvCxnSpPr>
+          <p:nvPr/>
+        </p:nvCxnSpPr>
+        <p:spPr>
+          <a:xfrm flipV="1">
+            <a:off x="4910440" y="1900616"/>
+            <a:ext cx="0" cy="886065"/>
+          </a:xfrm>
+          <a:prstGeom prst="straightConnector1">
+            <a:avLst/>
+          </a:prstGeom>
+          <a:ln w="28575">
+            <a:solidFill>
+              <a:srgbClr val="FF0000"/>
+            </a:solidFill>
+            <a:tailEnd type="triangle"/>
+          </a:ln>
+        </p:spPr>
+        <p:style>
+          <a:lnRef idx="1">
+            <a:schemeClr val="accent1"/>
+          </a:lnRef>
+          <a:fillRef idx="0">
+            <a:schemeClr val="accent1"/>
+          </a:fillRef>
+          <a:effectRef idx="0">
+            <a:schemeClr val="accent1"/>
+          </a:effectRef>
+          <a:fontRef idx="minor">
+            <a:schemeClr val="tx1"/>
+          </a:fontRef>
+        </p:style>
+      </p:cxnSp>
+      <p:cxnSp>
+        <p:nvCxnSpPr>
+          <p:cNvPr id="19" name="직선 화살표 연결선 18">
+            <a:extLst>
+              <a:ext uri="{FF2B5EF4-FFF2-40B4-BE49-F238E27FC236}">
+                <a16:creationId xmlns:a16="http://schemas.microsoft.com/office/drawing/2014/main" id="{7E50402E-3828-44CB-86AA-3ACFDCFD6538}"/>
+              </a:ext>
+            </a:extLst>
+          </p:cNvPr>
+          <p:cNvCxnSpPr>
+            <a:cxnSpLocks/>
+          </p:cNvCxnSpPr>
+          <p:nvPr/>
+        </p:nvCxnSpPr>
+        <p:spPr>
+          <a:xfrm flipV="1">
+            <a:off x="6634896" y="1900616"/>
+            <a:ext cx="0" cy="531279"/>
+          </a:xfrm>
+          <a:prstGeom prst="straightConnector1">
+            <a:avLst/>
+          </a:prstGeom>
+          <a:ln w="28575">
+            <a:solidFill>
+              <a:srgbClr val="FF0000"/>
+            </a:solidFill>
+            <a:tailEnd type="triangle"/>
+          </a:ln>
+        </p:spPr>
+        <p:style>
+          <a:lnRef idx="1">
+            <a:schemeClr val="accent1"/>
+          </a:lnRef>
+          <a:fillRef idx="0">
+            <a:schemeClr val="accent1"/>
+          </a:fillRef>
+          <a:effectRef idx="0">
+            <a:schemeClr val="accent1"/>
+          </a:effectRef>
+          <a:fontRef idx="minor">
+            <a:schemeClr val="tx1"/>
+          </a:fontRef>
+        </p:style>
+      </p:cxnSp>
+      <p:sp>
+        <p:nvSpPr>
+          <p:cNvPr id="22" name="TextBox 21">
+            <a:extLst>
+              <a:ext uri="{FF2B5EF4-FFF2-40B4-BE49-F238E27FC236}">
+                <a16:creationId xmlns:a16="http://schemas.microsoft.com/office/drawing/2014/main" id="{174D8BEB-C9FA-4D06-A786-0C69567D84ED}"/>
+              </a:ext>
+            </a:extLst>
+          </p:cNvPr>
+          <p:cNvSpPr txBox="1"/>
+          <p:nvPr/>
+        </p:nvSpPr>
+        <p:spPr>
+          <a:xfrm>
+            <a:off x="662035" y="1471786"/>
+            <a:ext cx="1472027" cy="461665"/>
+          </a:xfrm>
+          <a:prstGeom prst="rect">
+            <a:avLst/>
+          </a:prstGeom>
+          <a:solidFill>
+            <a:schemeClr val="bg1">
+              <a:lumMod val="85000"/>
+            </a:schemeClr>
+          </a:solidFill>
+        </p:spPr>
+        <p:txBody>
+          <a:bodyPr wrap="square" rtlCol="0">
+            <a:spAutoFit/>
+          </a:bodyPr>
+          <a:lstStyle/>
+          <a:p>
+            <a:r>
+              <a:rPr lang="en-US" altLang="ko-KR" sz="2400" b="1" dirty="0" err="1"/>
+              <a:t>Spinbox</a:t>
+            </a:r>
+            <a:endParaRPr lang="ko-KR" altLang="en-US" sz="2400" b="1" dirty="0"/>
+          </a:p>
+        </p:txBody>
+      </p:sp>
+      <p:sp>
+        <p:nvSpPr>
+          <p:cNvPr id="23" name="TextBox 22">
+            <a:extLst>
+              <a:ext uri="{FF2B5EF4-FFF2-40B4-BE49-F238E27FC236}">
+                <a16:creationId xmlns:a16="http://schemas.microsoft.com/office/drawing/2014/main" id="{9B4276F5-E341-42AC-943C-93D9273BA55A}"/>
+              </a:ext>
+            </a:extLst>
+          </p:cNvPr>
+          <p:cNvSpPr txBox="1"/>
+          <p:nvPr/>
+        </p:nvSpPr>
+        <p:spPr>
+          <a:xfrm>
+            <a:off x="484269" y="5322370"/>
+            <a:ext cx="1472026" cy="461665"/>
+          </a:xfrm>
+          <a:prstGeom prst="rect">
+            <a:avLst/>
+          </a:prstGeom>
+          <a:solidFill>
+            <a:schemeClr val="bg1">
+              <a:lumMod val="85000"/>
+            </a:schemeClr>
+          </a:solidFill>
+        </p:spPr>
+        <p:txBody>
+          <a:bodyPr wrap="square" rtlCol="0">
+            <a:spAutoFit/>
+          </a:bodyPr>
+          <a:lstStyle/>
+          <a:p>
+            <a:r>
+              <a:rPr lang="en-US" altLang="ko-KR" sz="2400" b="1" dirty="0"/>
+              <a:t>Scrollbar</a:t>
+            </a:r>
+            <a:endParaRPr lang="ko-KR" altLang="en-US" sz="2400" b="1" dirty="0"/>
+          </a:p>
+        </p:txBody>
+      </p:sp>
+      <p:sp>
+        <p:nvSpPr>
+          <p:cNvPr id="25" name="TextBox 24">
+            <a:extLst>
+              <a:ext uri="{FF2B5EF4-FFF2-40B4-BE49-F238E27FC236}">
+                <a16:creationId xmlns:a16="http://schemas.microsoft.com/office/drawing/2014/main" id="{C791A035-CB6C-48A9-A804-FAA1887306FE}"/>
+              </a:ext>
+            </a:extLst>
+          </p:cNvPr>
+          <p:cNvSpPr txBox="1"/>
+          <p:nvPr/>
+        </p:nvSpPr>
+        <p:spPr>
+          <a:xfrm>
+            <a:off x="4284118" y="1380633"/>
+            <a:ext cx="1816351" cy="461665"/>
+          </a:xfrm>
+          <a:prstGeom prst="rect">
+            <a:avLst/>
+          </a:prstGeom>
+          <a:solidFill>
+            <a:schemeClr val="bg1">
+              <a:lumMod val="85000"/>
+            </a:schemeClr>
+          </a:solidFill>
+        </p:spPr>
+        <p:txBody>
+          <a:bodyPr wrap="square" rtlCol="0">
+            <a:spAutoFit/>
+          </a:bodyPr>
+          <a:lstStyle/>
+          <a:p>
+            <a:r>
+              <a:rPr lang="en-US" altLang="ko-KR" sz="2400" b="1" dirty="0" err="1"/>
+              <a:t>Combobox</a:t>
+            </a:r>
+            <a:endParaRPr lang="ko-KR" altLang="en-US" sz="2400" b="1" dirty="0"/>
+          </a:p>
+        </p:txBody>
+      </p:sp>
+      <p:sp>
+        <p:nvSpPr>
+          <p:cNvPr id="26" name="TextBox 25">
+            <a:extLst>
+              <a:ext uri="{FF2B5EF4-FFF2-40B4-BE49-F238E27FC236}">
+                <a16:creationId xmlns:a16="http://schemas.microsoft.com/office/drawing/2014/main" id="{3FA7301E-597F-4AA2-90AB-721F8911E3B9}"/>
+              </a:ext>
+            </a:extLst>
+          </p:cNvPr>
+          <p:cNvSpPr txBox="1"/>
+          <p:nvPr/>
+        </p:nvSpPr>
+        <p:spPr>
+          <a:xfrm>
+            <a:off x="6320129" y="1380633"/>
+            <a:ext cx="2201567" cy="461665"/>
+          </a:xfrm>
+          <a:prstGeom prst="rect">
+            <a:avLst/>
+          </a:prstGeom>
+          <a:solidFill>
+            <a:schemeClr val="bg1">
+              <a:lumMod val="85000"/>
+            </a:schemeClr>
+          </a:solidFill>
+        </p:spPr>
+        <p:txBody>
+          <a:bodyPr wrap="square" rtlCol="0">
+            <a:spAutoFit/>
+          </a:bodyPr>
+          <a:lstStyle/>
+          <a:p>
+            <a:r>
+              <a:rPr lang="en-US" altLang="ko-KR" sz="2400" b="1" dirty="0" err="1"/>
+              <a:t>Checkbutton</a:t>
+            </a:r>
+            <a:endParaRPr lang="ko-KR" altLang="en-US" sz="2400" b="1" dirty="0"/>
+          </a:p>
+        </p:txBody>
+      </p:sp>
+      <p:sp>
+        <p:nvSpPr>
+          <p:cNvPr id="28" name="직사각형 27">
+            <a:extLst>
+              <a:ext uri="{FF2B5EF4-FFF2-40B4-BE49-F238E27FC236}">
+                <a16:creationId xmlns:a16="http://schemas.microsoft.com/office/drawing/2014/main" id="{9EA40C28-07B7-4310-B588-E36F080F944C}"/>
+              </a:ext>
+            </a:extLst>
+          </p:cNvPr>
+          <p:cNvSpPr/>
+          <p:nvPr/>
+        </p:nvSpPr>
+        <p:spPr>
+          <a:xfrm>
+            <a:off x="5299287" y="5751199"/>
+            <a:ext cx="3411611" cy="548002"/>
+          </a:xfrm>
+          <a:prstGeom prst="rect">
+            <a:avLst/>
+          </a:prstGeom>
+          <a:noFill/>
+          <a:ln w="38100">
+            <a:solidFill>
+              <a:srgbClr val="FF0000"/>
+            </a:solidFill>
+          </a:ln>
+        </p:spPr>
+        <p:style>
+          <a:lnRef idx="2">
+            <a:schemeClr val="accent1">
+              <a:shade val="50000"/>
+            </a:schemeClr>
+          </a:lnRef>
+          <a:fillRef idx="1">
+            <a:schemeClr val="accent1"/>
+          </a:fillRef>
+          <a:effectRef idx="0">
+            <a:schemeClr val="accent1"/>
+          </a:effectRef>
+          <a:fontRef idx="minor">
+            <a:schemeClr val="lt1"/>
+          </a:fontRef>
+        </p:style>
+        <p:txBody>
+          <a:bodyPr rtlCol="0" anchor="ctr"/>
+          <a:lstStyle/>
+          <a:p>
+            <a:pPr algn="ctr"/>
+            <a:endParaRPr lang="ko-KR" altLang="en-US"/>
+          </a:p>
+        </p:txBody>
+      </p:sp>
+      <p:cxnSp>
+        <p:nvCxnSpPr>
+          <p:cNvPr id="29" name="직선 화살표 연결선 28">
+            <a:extLst>
+              <a:ext uri="{FF2B5EF4-FFF2-40B4-BE49-F238E27FC236}">
+                <a16:creationId xmlns:a16="http://schemas.microsoft.com/office/drawing/2014/main" id="{2E4C40D1-B124-4639-80F0-007DB72EBB1B}"/>
+              </a:ext>
+            </a:extLst>
+          </p:cNvPr>
+          <p:cNvCxnSpPr>
+            <a:cxnSpLocks/>
+          </p:cNvCxnSpPr>
+          <p:nvPr/>
+        </p:nvCxnSpPr>
+        <p:spPr>
+          <a:xfrm>
+            <a:off x="8710898" y="6025200"/>
+            <a:ext cx="516136" cy="0"/>
+          </a:xfrm>
+          <a:prstGeom prst="straightConnector1">
+            <a:avLst/>
+          </a:prstGeom>
+          <a:ln w="28575">
+            <a:solidFill>
+              <a:srgbClr val="FF0000"/>
+            </a:solidFill>
+            <a:tailEnd type="triangle"/>
+          </a:ln>
+        </p:spPr>
+        <p:style>
+          <a:lnRef idx="1">
+            <a:schemeClr val="accent1"/>
+          </a:lnRef>
+          <a:fillRef idx="0">
+            <a:schemeClr val="accent1"/>
+          </a:fillRef>
+          <a:effectRef idx="0">
+            <a:schemeClr val="accent1"/>
+          </a:effectRef>
+          <a:fontRef idx="minor">
+            <a:schemeClr val="tx1"/>
+          </a:fontRef>
+        </p:style>
+      </p:cxnSp>
+      <p:sp>
+        <p:nvSpPr>
+          <p:cNvPr id="31" name="TextBox 30">
+            <a:extLst>
+              <a:ext uri="{FF2B5EF4-FFF2-40B4-BE49-F238E27FC236}">
+                <a16:creationId xmlns:a16="http://schemas.microsoft.com/office/drawing/2014/main" id="{A43F426D-8456-45ED-8D0E-F78F66D0E078}"/>
+              </a:ext>
+            </a:extLst>
+          </p:cNvPr>
+          <p:cNvSpPr txBox="1"/>
+          <p:nvPr/>
+        </p:nvSpPr>
+        <p:spPr>
+          <a:xfrm>
+            <a:off x="9295576" y="5860249"/>
+            <a:ext cx="1207324" cy="461665"/>
+          </a:xfrm>
+          <a:prstGeom prst="rect">
+            <a:avLst/>
+          </a:prstGeom>
+          <a:solidFill>
+            <a:schemeClr val="bg1">
+              <a:lumMod val="85000"/>
+            </a:schemeClr>
+          </a:solidFill>
+        </p:spPr>
+        <p:txBody>
+          <a:bodyPr wrap="square" rtlCol="0">
+            <a:spAutoFit/>
+          </a:bodyPr>
+          <a:lstStyle/>
+          <a:p>
+            <a:r>
+              <a:rPr lang="en-US" altLang="ko-KR" sz="2400" b="1" dirty="0"/>
+              <a:t>button</a:t>
+            </a:r>
+            <a:endParaRPr lang="ko-KR" altLang="en-US" sz="2400" b="1" dirty="0"/>
+          </a:p>
+        </p:txBody>
+      </p:sp>
       <p:sp>
         <p:nvSpPr>
           <p:cNvPr id="36" name="제목 1">
@@ -8245,7 +8198,7 @@
           <p:nvPr/>
         </p:nvPicPr>
         <p:blipFill>
-          <a:blip r:embed="rId4"/>
+          <a:blip r:embed="rId3"/>
           <a:stretch>
             <a:fillRect/>
           </a:stretch>
@@ -8556,35 +8509,6 @@
           <a:chExt cx="0" cy="0"/>
         </a:xfrm>
       </p:grpSpPr>
-      <p:pic>
-        <p:nvPicPr>
-          <p:cNvPr id="2" name="그림 1">
-            <a:extLst>
-              <a:ext uri="{FF2B5EF4-FFF2-40B4-BE49-F238E27FC236}">
-                <a16:creationId xmlns:a16="http://schemas.microsoft.com/office/drawing/2014/main" id="{5C2344E5-B0F7-4DB3-9E91-06AD621CE4B6}"/>
-              </a:ext>
-            </a:extLst>
-          </p:cNvPr>
-          <p:cNvPicPr>
-            <a:picLocks noChangeAspect="1"/>
-          </p:cNvPicPr>
-          <p:nvPr/>
-        </p:nvPicPr>
-        <p:blipFill rotWithShape="1">
-          <a:blip r:embed="rId2"/>
-          <a:srcRect l="766" r="898"/>
-          <a:stretch/>
-        </p:blipFill>
-        <p:spPr>
-          <a:xfrm>
-            <a:off x="2209801" y="1260778"/>
-            <a:ext cx="7416800" cy="5122787"/>
-          </a:xfrm>
-          <a:prstGeom prst="rect">
-            <a:avLst/>
-          </a:prstGeom>
-        </p:spPr>
-      </p:pic>
       <p:sp>
         <p:nvSpPr>
           <p:cNvPr id="3" name="직사각형 2">
@@ -8750,6 +8674,36 @@
           </a:p>
         </p:txBody>
       </p:sp>
+      <p:pic>
+        <p:nvPicPr>
+          <p:cNvPr id="5" name="그림 4">
+            <a:extLst>
+              <a:ext uri="{FF2B5EF4-FFF2-40B4-BE49-F238E27FC236}">
+                <a16:creationId xmlns:a16="http://schemas.microsoft.com/office/drawing/2014/main" id="{A750E7FE-F2D0-4C20-BF98-D5C761B46D0C}"/>
+              </a:ext>
+            </a:extLst>
+          </p:cNvPr>
+          <p:cNvPicPr>
+            <a:picLocks noChangeAspect="1"/>
+          </p:cNvPicPr>
+          <p:nvPr/>
+        </p:nvPicPr>
+        <p:blipFill>
+          <a:blip r:embed="rId2"/>
+          <a:stretch>
+            <a:fillRect/>
+          </a:stretch>
+        </p:blipFill>
+        <p:spPr>
+          <a:xfrm>
+            <a:off x="2332779" y="1234508"/>
+            <a:ext cx="7526440" cy="5122787"/>
+          </a:xfrm>
+          <a:prstGeom prst="rect">
+            <a:avLst/>
+          </a:prstGeom>
+        </p:spPr>
+      </p:pic>
     </p:spTree>
     <p:extLst>
       <p:ext uri="{BB962C8B-B14F-4D97-AF65-F5344CB8AC3E}">

--- a/중간발표.pptx
+++ b/중간발표.pptx
@@ -5,7 +5,7 @@
     <p:sldMasterId id="2147483648" r:id="rId1"/>
   </p:sldMasterIdLst>
   <p:notesMasterIdLst>
-    <p:notesMasterId r:id="rId9"/>
+    <p:notesMasterId r:id="rId10"/>
   </p:notesMasterIdLst>
   <p:sldIdLst>
     <p:sldId id="256" r:id="rId2"/>
@@ -15,6 +15,7 @@
     <p:sldId id="262" r:id="rId6"/>
     <p:sldId id="264" r:id="rId7"/>
     <p:sldId id="265" r:id="rId8"/>
+    <p:sldId id="266" r:id="rId9"/>
   </p:sldIdLst>
   <p:sldSz cx="12192000" cy="6858000"/>
   <p:notesSz cx="6858000" cy="9144000"/>
@@ -203,7 +204,7 @@
           <a:p>
             <a:fld id="{CA820883-06B2-4EAA-8D78-30A3F849A1DF}" type="datetimeFigureOut">
               <a:rPr lang="ko-KR" altLang="en-US" smtClean="0"/>
-              <a:t>2019-05-27</a:t>
+              <a:t>2019-05-29</a:t>
             </a:fld>
             <a:endParaRPr lang="ko-KR" altLang="en-US"/>
           </a:p>
@@ -817,7 +818,7 @@
           <a:p>
             <a:fld id="{0ED2AA2A-7C7B-4F39-A066-0BB3170CD8E9}" type="datetimeFigureOut">
               <a:rPr lang="ko-KR" altLang="en-US" smtClean="0"/>
-              <a:t>2019-05-27</a:t>
+              <a:t>2019-05-29</a:t>
             </a:fld>
             <a:endParaRPr lang="ko-KR" altLang="en-US"/>
           </a:p>
@@ -1015,7 +1016,7 @@
           <a:p>
             <a:fld id="{0ED2AA2A-7C7B-4F39-A066-0BB3170CD8E9}" type="datetimeFigureOut">
               <a:rPr lang="ko-KR" altLang="en-US" smtClean="0"/>
-              <a:t>2019-05-27</a:t>
+              <a:t>2019-05-29</a:t>
             </a:fld>
             <a:endParaRPr lang="ko-KR" altLang="en-US"/>
           </a:p>
@@ -1223,7 +1224,7 @@
           <a:p>
             <a:fld id="{0ED2AA2A-7C7B-4F39-A066-0BB3170CD8E9}" type="datetimeFigureOut">
               <a:rPr lang="ko-KR" altLang="en-US" smtClean="0"/>
-              <a:t>2019-05-27</a:t>
+              <a:t>2019-05-29</a:t>
             </a:fld>
             <a:endParaRPr lang="ko-KR" altLang="en-US"/>
           </a:p>
@@ -1421,7 +1422,7 @@
           <a:p>
             <a:fld id="{0ED2AA2A-7C7B-4F39-A066-0BB3170CD8E9}" type="datetimeFigureOut">
               <a:rPr lang="ko-KR" altLang="en-US" smtClean="0"/>
-              <a:t>2019-05-27</a:t>
+              <a:t>2019-05-29</a:t>
             </a:fld>
             <a:endParaRPr lang="ko-KR" altLang="en-US"/>
           </a:p>
@@ -1696,7 +1697,7 @@
           <a:p>
             <a:fld id="{0ED2AA2A-7C7B-4F39-A066-0BB3170CD8E9}" type="datetimeFigureOut">
               <a:rPr lang="ko-KR" altLang="en-US" smtClean="0"/>
-              <a:t>2019-05-27</a:t>
+              <a:t>2019-05-29</a:t>
             </a:fld>
             <a:endParaRPr lang="ko-KR" altLang="en-US"/>
           </a:p>
@@ -1961,7 +1962,7 @@
           <a:p>
             <a:fld id="{0ED2AA2A-7C7B-4F39-A066-0BB3170CD8E9}" type="datetimeFigureOut">
               <a:rPr lang="ko-KR" altLang="en-US" smtClean="0"/>
-              <a:t>2019-05-27</a:t>
+              <a:t>2019-05-29</a:t>
             </a:fld>
             <a:endParaRPr lang="ko-KR" altLang="en-US"/>
           </a:p>
@@ -2373,7 +2374,7 @@
           <a:p>
             <a:fld id="{0ED2AA2A-7C7B-4F39-A066-0BB3170CD8E9}" type="datetimeFigureOut">
               <a:rPr lang="ko-KR" altLang="en-US" smtClean="0"/>
-              <a:t>2019-05-27</a:t>
+              <a:t>2019-05-29</a:t>
             </a:fld>
             <a:endParaRPr lang="ko-KR" altLang="en-US"/>
           </a:p>
@@ -2514,7 +2515,7 @@
           <a:p>
             <a:fld id="{0ED2AA2A-7C7B-4F39-A066-0BB3170CD8E9}" type="datetimeFigureOut">
               <a:rPr lang="ko-KR" altLang="en-US" smtClean="0"/>
-              <a:t>2019-05-27</a:t>
+              <a:t>2019-05-29</a:t>
             </a:fld>
             <a:endParaRPr lang="ko-KR" altLang="en-US"/>
           </a:p>
@@ -2627,7 +2628,7 @@
           <a:p>
             <a:fld id="{0ED2AA2A-7C7B-4F39-A066-0BB3170CD8E9}" type="datetimeFigureOut">
               <a:rPr lang="ko-KR" altLang="en-US" smtClean="0"/>
-              <a:t>2019-05-27</a:t>
+              <a:t>2019-05-29</a:t>
             </a:fld>
             <a:endParaRPr lang="ko-KR" altLang="en-US"/>
           </a:p>
@@ -2938,7 +2939,7 @@
           <a:p>
             <a:fld id="{0ED2AA2A-7C7B-4F39-A066-0BB3170CD8E9}" type="datetimeFigureOut">
               <a:rPr lang="ko-KR" altLang="en-US" smtClean="0"/>
-              <a:t>2019-05-27</a:t>
+              <a:t>2019-05-29</a:t>
             </a:fld>
             <a:endParaRPr lang="ko-KR" altLang="en-US"/>
           </a:p>
@@ -3226,7 +3227,7 @@
           <a:p>
             <a:fld id="{0ED2AA2A-7C7B-4F39-A066-0BB3170CD8E9}" type="datetimeFigureOut">
               <a:rPr lang="ko-KR" altLang="en-US" smtClean="0"/>
-              <a:t>2019-05-27</a:t>
+              <a:t>2019-05-29</a:t>
             </a:fld>
             <a:endParaRPr lang="ko-KR" altLang="en-US"/>
           </a:p>
@@ -3467,7 +3468,7 @@
           <a:p>
             <a:fld id="{0ED2AA2A-7C7B-4F39-A066-0BB3170CD8E9}" type="datetimeFigureOut">
               <a:rPr lang="ko-KR" altLang="en-US" smtClean="0"/>
-              <a:t>2019-05-27</a:t>
+              <a:t>2019-05-29</a:t>
             </a:fld>
             <a:endParaRPr lang="ko-KR" altLang="en-US"/>
           </a:p>
@@ -7066,21 +7067,18 @@
               </a:lnSpc>
             </a:pPr>
             <a:r>
-              <a:rPr lang="ko-KR" altLang="en-US" sz="2800" b="1" dirty="0"/>
+              <a:rPr lang="ko-KR" altLang="en-US" sz="2800" dirty="0">
+                <a:solidFill>
+                  <a:srgbClr val="FF0000"/>
+                </a:solidFill>
+              </a:rPr>
               <a:t>보관기관지도</a:t>
             </a:r>
-            <a:r>
-              <a:rPr lang="en-US" altLang="ko-KR" sz="2800" b="1" dirty="0"/>
-              <a:t>(</a:t>
-            </a:r>
-            <a:r>
-              <a:rPr lang="ko-KR" altLang="en-US" sz="2800" b="1" dirty="0" err="1"/>
-              <a:t>미구현</a:t>
-            </a:r>
-            <a:r>
-              <a:rPr lang="en-US" altLang="ko-KR" sz="2800" b="1" dirty="0"/>
-              <a:t>)</a:t>
-            </a:r>
+            <a:endParaRPr lang="en-US" altLang="ko-KR" sz="2800" dirty="0">
+              <a:solidFill>
+                <a:srgbClr val="FF0000"/>
+              </a:solidFill>
+            </a:endParaRPr>
           </a:p>
           <a:p>
             <a:pPr>
@@ -7138,8 +7136,8 @@
         </p:nvSpPr>
         <p:spPr>
           <a:xfrm>
-            <a:off x="7191024" y="1767515"/>
-            <a:ext cx="4785071" cy="4247317"/>
+            <a:off x="7021691" y="1910535"/>
+            <a:ext cx="4785071" cy="3600986"/>
           </a:xfrm>
           <a:prstGeom prst="rect">
             <a:avLst/>
@@ -7200,18 +7198,6 @@
               </a:lnSpc>
             </a:pPr>
             <a:r>
-              <a:rPr lang="ko-KR" altLang="en-US" sz="2800" b="1" strike="sngStrike" dirty="0"/>
-              <a:t>정렬</a:t>
-            </a:r>
-            <a:endParaRPr lang="en-US" altLang="ko-KR" sz="2800" b="1" strike="sngStrike" dirty="0"/>
-          </a:p>
-          <a:p>
-            <a:pPr>
-              <a:lnSpc>
-                <a:spcPct val="150000"/>
-              </a:lnSpc>
-            </a:pPr>
-            <a:r>
               <a:rPr lang="ko-KR" altLang="en-US" sz="2800" b="1" dirty="0" err="1"/>
               <a:t>베포파일</a:t>
             </a:r>
@@ -7286,7 +7272,7 @@
         </p:nvCxnSpPr>
         <p:spPr>
           <a:xfrm>
-            <a:off x="5913263" y="1524422"/>
+            <a:off x="5947130" y="1524422"/>
             <a:ext cx="0" cy="4490410"/>
           </a:xfrm>
           <a:prstGeom prst="line">
@@ -8696,8 +8682,8 @@
         </p:blipFill>
         <p:spPr>
           <a:xfrm>
-            <a:off x="2332779" y="1234508"/>
-            <a:ext cx="7526440" cy="5122787"/>
+            <a:off x="2092078" y="1024988"/>
+            <a:ext cx="8007844" cy="5450449"/>
           </a:xfrm>
           <a:prstGeom prst="rect">
             <a:avLst/>
@@ -8708,6 +8694,317 @@
     <p:extLst>
       <p:ext uri="{BB962C8B-B14F-4D97-AF65-F5344CB8AC3E}">
         <p14:creationId xmlns:p14="http://schemas.microsoft.com/office/powerpoint/2010/main" val="3137870615"/>
+      </p:ext>
+    </p:extLst>
+  </p:cSld>
+  <p:clrMapOvr>
+    <a:masterClrMapping/>
+  </p:clrMapOvr>
+</p:sld>
+</file>
+
+<file path=ppt/slides/slide8.xml><?xml version="1.0" encoding="utf-8"?>
+<p:sld xmlns:a="http://schemas.openxmlformats.org/drawingml/2006/main" xmlns:r="http://schemas.openxmlformats.org/officeDocument/2006/relationships" xmlns:p="http://schemas.openxmlformats.org/presentationml/2006/main">
+  <p:cSld>
+    <p:bg>
+      <p:bgPr>
+        <a:solidFill>
+          <a:schemeClr val="bg1"/>
+        </a:solidFill>
+        <a:effectLst/>
+      </p:bgPr>
+    </p:bg>
+    <p:spTree>
+      <p:nvGrpSpPr>
+        <p:cNvPr id="1" name=""/>
+        <p:cNvGrpSpPr/>
+        <p:nvPr/>
+      </p:nvGrpSpPr>
+      <p:grpSpPr>
+        <a:xfrm>
+          <a:off x="0" y="0"/>
+          <a:ext cx="0" cy="0"/>
+          <a:chOff x="0" y="0"/>
+          <a:chExt cx="0" cy="0"/>
+        </a:xfrm>
+      </p:grpSpPr>
+      <p:pic>
+        <p:nvPicPr>
+          <p:cNvPr id="2" name="그림 1">
+            <a:extLst>
+              <a:ext uri="{FF2B5EF4-FFF2-40B4-BE49-F238E27FC236}">
+                <a16:creationId xmlns:a16="http://schemas.microsoft.com/office/drawing/2014/main" id="{F68005C8-8917-4E2A-AB14-72AB44B54281}"/>
+              </a:ext>
+            </a:extLst>
+          </p:cNvPr>
+          <p:cNvPicPr>
+            <a:picLocks noChangeAspect="1"/>
+          </p:cNvPicPr>
+          <p:nvPr/>
+        </p:nvPicPr>
+        <p:blipFill>
+          <a:blip r:embed="rId2"/>
+          <a:stretch>
+            <a:fillRect/>
+          </a:stretch>
+        </p:blipFill>
+        <p:spPr>
+          <a:xfrm>
+            <a:off x="222793" y="2047955"/>
+            <a:ext cx="5341797" cy="3619067"/>
+          </a:xfrm>
+          <a:prstGeom prst="rect">
+            <a:avLst/>
+          </a:prstGeom>
+        </p:spPr>
+      </p:pic>
+      <p:pic>
+        <p:nvPicPr>
+          <p:cNvPr id="3" name="그림 2">
+            <a:extLst>
+              <a:ext uri="{FF2B5EF4-FFF2-40B4-BE49-F238E27FC236}">
+                <a16:creationId xmlns:a16="http://schemas.microsoft.com/office/drawing/2014/main" id="{860507EA-F842-4BF0-BA02-21E869A61465}"/>
+              </a:ext>
+            </a:extLst>
+          </p:cNvPr>
+          <p:cNvPicPr>
+            <a:picLocks noChangeAspect="1"/>
+          </p:cNvPicPr>
+          <p:nvPr/>
+        </p:nvPicPr>
+        <p:blipFill>
+          <a:blip r:embed="rId3"/>
+          <a:stretch>
+            <a:fillRect/>
+          </a:stretch>
+        </p:blipFill>
+        <p:spPr>
+          <a:xfrm>
+            <a:off x="6095999" y="1039977"/>
+            <a:ext cx="5873208" cy="5623734"/>
+          </a:xfrm>
+          <a:prstGeom prst="rect">
+            <a:avLst/>
+          </a:prstGeom>
+        </p:spPr>
+      </p:pic>
+      <p:sp>
+        <p:nvSpPr>
+          <p:cNvPr id="9" name="직사각형 8">
+            <a:extLst>
+              <a:ext uri="{FF2B5EF4-FFF2-40B4-BE49-F238E27FC236}">
+                <a16:creationId xmlns:a16="http://schemas.microsoft.com/office/drawing/2014/main" id="{1F3747F1-99CD-4892-AC50-5D4A8081ABE4}"/>
+              </a:ext>
+            </a:extLst>
+          </p:cNvPr>
+          <p:cNvSpPr/>
+          <p:nvPr/>
+        </p:nvSpPr>
+        <p:spPr>
+          <a:xfrm>
+            <a:off x="0" y="0"/>
+            <a:ext cx="12192000" cy="840494"/>
+          </a:xfrm>
+          <a:prstGeom prst="rect">
+            <a:avLst/>
+          </a:prstGeom>
+          <a:solidFill>
+            <a:schemeClr val="tx1">
+              <a:lumMod val="75000"/>
+              <a:lumOff val="25000"/>
+            </a:schemeClr>
+          </a:solidFill>
+        </p:spPr>
+        <p:style>
+          <a:lnRef idx="2">
+            <a:schemeClr val="accent1">
+              <a:shade val="50000"/>
+            </a:schemeClr>
+          </a:lnRef>
+          <a:fillRef idx="1">
+            <a:schemeClr val="accent1"/>
+          </a:fillRef>
+          <a:effectRef idx="0">
+            <a:schemeClr val="accent1"/>
+          </a:effectRef>
+          <a:fontRef idx="minor">
+            <a:schemeClr val="lt1"/>
+          </a:fontRef>
+        </p:style>
+        <p:txBody>
+          <a:bodyPr rtlCol="0" anchor="ctr"/>
+          <a:lstStyle/>
+          <a:p>
+            <a:pPr algn="ctr"/>
+            <a:endParaRPr lang="ko-KR" altLang="en-US" dirty="0"/>
+          </a:p>
+        </p:txBody>
+      </p:sp>
+      <p:sp>
+        <p:nvSpPr>
+          <p:cNvPr id="11" name="제목 1">
+            <a:extLst>
+              <a:ext uri="{FF2B5EF4-FFF2-40B4-BE49-F238E27FC236}">
+                <a16:creationId xmlns:a16="http://schemas.microsoft.com/office/drawing/2014/main" id="{8B69A43B-4E5E-4B43-BF0C-40A7D7810258}"/>
+              </a:ext>
+            </a:extLst>
+          </p:cNvPr>
+          <p:cNvSpPr txBox="1">
+            <a:spLocks/>
+          </p:cNvSpPr>
+          <p:nvPr/>
+        </p:nvSpPr>
+        <p:spPr>
+          <a:xfrm>
+            <a:off x="3599418" y="312082"/>
+            <a:ext cx="4993163" cy="625849"/>
+          </a:xfrm>
+          <a:prstGeom prst="rect">
+            <a:avLst/>
+          </a:prstGeom>
+          <a:noFill/>
+          <a:ln w="19050">
+            <a:solidFill>
+              <a:schemeClr val="bg1"/>
+            </a:solidFill>
+          </a:ln>
+        </p:spPr>
+        <p:txBody>
+          <a:bodyPr vert="horz" wrap="square" lIns="91440" tIns="45720" rIns="91440" bIns="45720" rtlCol="0">
+            <a:normAutofit/>
+          </a:bodyPr>
+          <a:lstStyle>
+            <a:lvl1pPr algn="l" defTabSz="914400" rtl="0" eaLnBrk="1" latinLnBrk="1" hangingPunct="1">
+              <a:lnSpc>
+                <a:spcPct val="90000"/>
+              </a:lnSpc>
+              <a:spcBef>
+                <a:spcPct val="0"/>
+              </a:spcBef>
+              <a:buNone/>
+              <a:defRPr sz="4400" kern="1200">
+                <a:solidFill>
+                  <a:schemeClr val="tx1"/>
+                </a:solidFill>
+                <a:latin typeface="+mj-lt"/>
+                <a:ea typeface="+mj-ea"/>
+                <a:cs typeface="+mj-cs"/>
+              </a:defRPr>
+            </a:lvl1pPr>
+          </a:lstStyle>
+          <a:p>
+            <a:pPr algn="ctr" latinLnBrk="0"/>
+            <a:r>
+              <a:rPr lang="ko-KR" altLang="en-US" sz="2800" b="1" dirty="0">
+                <a:solidFill>
+                  <a:schemeClr val="bg1"/>
+                </a:solidFill>
+              </a:rPr>
+              <a:t>지도</a:t>
+            </a:r>
+          </a:p>
+        </p:txBody>
+      </p:sp>
+      <p:sp>
+        <p:nvSpPr>
+          <p:cNvPr id="4" name="타원 3">
+            <a:extLst>
+              <a:ext uri="{FF2B5EF4-FFF2-40B4-BE49-F238E27FC236}">
+                <a16:creationId xmlns:a16="http://schemas.microsoft.com/office/drawing/2014/main" id="{00F601A3-D7C3-468C-AD1D-74CEF2BE70B4}"/>
+              </a:ext>
+            </a:extLst>
+          </p:cNvPr>
+          <p:cNvSpPr/>
+          <p:nvPr/>
+        </p:nvSpPr>
+        <p:spPr>
+          <a:xfrm>
+            <a:off x="3678440" y="5204178"/>
+            <a:ext cx="914400" cy="553156"/>
+          </a:xfrm>
+          <a:prstGeom prst="ellipse">
+            <a:avLst/>
+          </a:prstGeom>
+          <a:noFill/>
+          <a:ln w="57150">
+            <a:solidFill>
+              <a:srgbClr val="FF0000"/>
+            </a:solidFill>
+          </a:ln>
+        </p:spPr>
+        <p:style>
+          <a:lnRef idx="2">
+            <a:schemeClr val="accent1">
+              <a:shade val="50000"/>
+            </a:schemeClr>
+          </a:lnRef>
+          <a:fillRef idx="1">
+            <a:schemeClr val="accent1"/>
+          </a:fillRef>
+          <a:effectRef idx="0">
+            <a:schemeClr val="accent1"/>
+          </a:effectRef>
+          <a:fontRef idx="minor">
+            <a:schemeClr val="lt1"/>
+          </a:fontRef>
+        </p:style>
+        <p:txBody>
+          <a:bodyPr rtlCol="0" anchor="ctr"/>
+          <a:lstStyle/>
+          <a:p>
+            <a:pPr algn="ctr"/>
+            <a:endParaRPr lang="ko-KR" altLang="en-US"/>
+          </a:p>
+        </p:txBody>
+      </p:sp>
+      <p:cxnSp>
+        <p:nvCxnSpPr>
+          <p:cNvPr id="6" name="직선 화살표 연결선 5">
+            <a:extLst>
+              <a:ext uri="{FF2B5EF4-FFF2-40B4-BE49-F238E27FC236}">
+                <a16:creationId xmlns:a16="http://schemas.microsoft.com/office/drawing/2014/main" id="{B727247C-B741-493B-A6CE-7517CE533C39}"/>
+              </a:ext>
+            </a:extLst>
+          </p:cNvPr>
+          <p:cNvCxnSpPr>
+            <a:stCxn id="4" idx="6"/>
+          </p:cNvCxnSpPr>
+          <p:nvPr/>
+        </p:nvCxnSpPr>
+        <p:spPr>
+          <a:xfrm flipV="1">
+            <a:off x="4592840" y="4989689"/>
+            <a:ext cx="1333827" cy="491067"/>
+          </a:xfrm>
+          <a:prstGeom prst="straightConnector1">
+            <a:avLst/>
+          </a:prstGeom>
+          <a:ln w="57150">
+            <a:solidFill>
+              <a:srgbClr val="FF0000"/>
+            </a:solidFill>
+            <a:tailEnd type="triangle"/>
+          </a:ln>
+        </p:spPr>
+        <p:style>
+          <a:lnRef idx="1">
+            <a:schemeClr val="accent1"/>
+          </a:lnRef>
+          <a:fillRef idx="0">
+            <a:schemeClr val="accent1"/>
+          </a:fillRef>
+          <a:effectRef idx="0">
+            <a:schemeClr val="accent1"/>
+          </a:effectRef>
+          <a:fontRef idx="minor">
+            <a:schemeClr val="tx1"/>
+          </a:fontRef>
+        </p:style>
+      </p:cxnSp>
+    </p:spTree>
+    <p:extLst>
+      <p:ext uri="{BB962C8B-B14F-4D97-AF65-F5344CB8AC3E}">
+        <p14:creationId xmlns:p14="http://schemas.microsoft.com/office/powerpoint/2010/main" val="1689661349"/>
       </p:ext>
     </p:extLst>
   </p:cSld>
